--- a/attendance manager.pptx
+++ b/attendance manager.pptx
@@ -6,6 +6,9 @@
   </p:sldMasterIdLst>
   <p:sldIdLst>
     <p:sldId id="256" r:id="rId2"/>
+    <p:sldId id="259" r:id="rId3"/>
+    <p:sldId id="257" r:id="rId4"/>
+    <p:sldId id="258" r:id="rId5"/>
   </p:sldIdLst>
   <p:sldSz cx="9144000" cy="6858000" type="screen4x3"/>
   <p:notesSz cx="6858000" cy="9144000"/>
@@ -3602,7 +3605,7 @@
         </p:nvSpPr>
         <p:spPr>
           <a:xfrm>
-            <a:off x="1143000" y="457200"/>
+            <a:off x="914400" y="457200"/>
             <a:ext cx="6548588" cy="923330"/>
           </a:xfrm>
           <a:prstGeom prst="rect">
@@ -3624,10 +3627,884 @@
           </a:p>
         </p:txBody>
       </p:sp>
+      <p:sp>
+        <p:nvSpPr>
+          <p:cNvPr id="2" name="TextBox 1"/>
+          <p:cNvSpPr txBox="1"/>
+          <p:nvPr/>
+        </p:nvSpPr>
+        <p:spPr>
+          <a:xfrm>
+            <a:off x="1905000" y="2743200"/>
+            <a:ext cx="2514600" cy="646331"/>
+          </a:xfrm>
+          <a:prstGeom prst="rect">
+            <a:avLst/>
+          </a:prstGeom>
+          <a:noFill/>
+        </p:spPr>
+        <p:txBody>
+          <a:bodyPr wrap="square" rtlCol="0">
+            <a:spAutoFit/>
+          </a:bodyPr>
+          <a:lstStyle/>
+          <a:p>
+            <a:r>
+              <a:rPr lang="en-IN" dirty="0" smtClean="0"/>
+              <a:t>Introduction to database Systems</a:t>
+            </a:r>
+            <a:endParaRPr lang="en-IN" dirty="0"/>
+          </a:p>
+        </p:txBody>
+      </p:sp>
     </p:spTree>
     <p:extLst>
       <p:ext uri="{BB962C8B-B14F-4D97-AF65-F5344CB8AC3E}">
         <p14:creationId xmlns:p14="http://schemas.microsoft.com/office/powerpoint/2010/main" val="517924148"/>
+      </p:ext>
+    </p:extLst>
+  </p:cSld>
+  <p:clrMapOvr>
+    <a:masterClrMapping/>
+  </p:clrMapOvr>
+</p:sld>
+</file>
+
+<file path=ppt/slides/slide2.xml><?xml version="1.0" encoding="utf-8"?>
+<p:sld xmlns:a="http://schemas.openxmlformats.org/drawingml/2006/main" xmlns:r="http://schemas.openxmlformats.org/officeDocument/2006/relationships" xmlns:p="http://schemas.openxmlformats.org/presentationml/2006/main">
+  <p:cSld>
+    <p:spTree>
+      <p:nvGrpSpPr>
+        <p:cNvPr id="1" name=""/>
+        <p:cNvGrpSpPr/>
+        <p:nvPr/>
+      </p:nvGrpSpPr>
+      <p:grpSpPr>
+        <a:xfrm>
+          <a:off x="0" y="0"/>
+          <a:ext cx="0" cy="0"/>
+          <a:chOff x="0" y="0"/>
+          <a:chExt cx="0" cy="0"/>
+        </a:xfrm>
+      </p:grpSpPr>
+      <p:sp>
+        <p:nvSpPr>
+          <p:cNvPr id="2" name="TextBox 1"/>
+          <p:cNvSpPr txBox="1"/>
+          <p:nvPr/>
+        </p:nvSpPr>
+        <p:spPr>
+          <a:xfrm>
+            <a:off x="0" y="381000"/>
+            <a:ext cx="8153400" cy="646331"/>
+          </a:xfrm>
+          <a:prstGeom prst="rect">
+            <a:avLst/>
+          </a:prstGeom>
+          <a:noFill/>
+        </p:spPr>
+        <p:txBody>
+          <a:bodyPr wrap="square" rtlCol="0">
+            <a:spAutoFit/>
+          </a:bodyPr>
+          <a:lstStyle/>
+          <a:p>
+            <a:pPr algn="ctr"/>
+            <a:r>
+              <a:rPr lang="en-IN" sz="3600" dirty="0" smtClean="0"/>
+              <a:t>INTRODUCTION</a:t>
+            </a:r>
+            <a:endParaRPr lang="en-IN" sz="3600" dirty="0"/>
+          </a:p>
+        </p:txBody>
+      </p:sp>
+    </p:spTree>
+    <p:extLst>
+      <p:ext uri="{BB962C8B-B14F-4D97-AF65-F5344CB8AC3E}">
+        <p14:creationId xmlns:p14="http://schemas.microsoft.com/office/powerpoint/2010/main" val="271747867"/>
+      </p:ext>
+    </p:extLst>
+  </p:cSld>
+  <p:clrMapOvr>
+    <a:masterClrMapping/>
+  </p:clrMapOvr>
+</p:sld>
+</file>
+
+<file path=ppt/slides/slide3.xml><?xml version="1.0" encoding="utf-8"?>
+<p:sld xmlns:a="http://schemas.openxmlformats.org/drawingml/2006/main" xmlns:r="http://schemas.openxmlformats.org/officeDocument/2006/relationships" xmlns:p="http://schemas.openxmlformats.org/presentationml/2006/main">
+  <p:cSld>
+    <p:spTree>
+      <p:nvGrpSpPr>
+        <p:cNvPr id="1" name=""/>
+        <p:cNvGrpSpPr/>
+        <p:nvPr/>
+      </p:nvGrpSpPr>
+      <p:grpSpPr>
+        <a:xfrm>
+          <a:off x="0" y="0"/>
+          <a:ext cx="0" cy="0"/>
+          <a:chOff x="0" y="0"/>
+          <a:chExt cx="0" cy="0"/>
+        </a:xfrm>
+      </p:grpSpPr>
+      <p:sp>
+        <p:nvSpPr>
+          <p:cNvPr id="2" name="TextBox 1"/>
+          <p:cNvSpPr txBox="1"/>
+          <p:nvPr/>
+        </p:nvSpPr>
+        <p:spPr>
+          <a:xfrm>
+            <a:off x="0" y="304800"/>
+            <a:ext cx="8153400" cy="646331"/>
+          </a:xfrm>
+          <a:prstGeom prst="rect">
+            <a:avLst/>
+          </a:prstGeom>
+          <a:noFill/>
+        </p:spPr>
+        <p:txBody>
+          <a:bodyPr wrap="square" rtlCol="0">
+            <a:spAutoFit/>
+          </a:bodyPr>
+          <a:lstStyle/>
+          <a:p>
+            <a:pPr algn="ctr"/>
+            <a:r>
+              <a:rPr lang="en-IN" sz="3600" dirty="0" smtClean="0"/>
+              <a:t>ER REPRESENTATION</a:t>
+            </a:r>
+            <a:endParaRPr lang="en-IN" sz="3600" dirty="0"/>
+          </a:p>
+        </p:txBody>
+      </p:sp>
+      <p:sp>
+        <p:nvSpPr>
+          <p:cNvPr id="4" name="Rectangle 3"/>
+          <p:cNvSpPr/>
+          <p:nvPr/>
+        </p:nvSpPr>
+        <p:spPr>
+          <a:xfrm>
+            <a:off x="2320880" y="3210058"/>
+            <a:ext cx="1219200" cy="457200"/>
+          </a:xfrm>
+          <a:prstGeom prst="rect">
+            <a:avLst/>
+          </a:prstGeom>
+          <a:solidFill>
+            <a:schemeClr val="bg1"/>
+          </a:solidFill>
+        </p:spPr>
+        <p:style>
+          <a:lnRef idx="2">
+            <a:schemeClr val="accent1">
+              <a:shade val="50000"/>
+            </a:schemeClr>
+          </a:lnRef>
+          <a:fillRef idx="1">
+            <a:schemeClr val="accent1"/>
+          </a:fillRef>
+          <a:effectRef idx="0">
+            <a:schemeClr val="accent1"/>
+          </a:effectRef>
+          <a:fontRef idx="minor">
+            <a:schemeClr val="lt1"/>
+          </a:fontRef>
+        </p:style>
+        <p:txBody>
+          <a:bodyPr rtlCol="0" anchor="ctr"/>
+          <a:lstStyle/>
+          <a:p>
+            <a:pPr algn="ctr"/>
+            <a:r>
+              <a:rPr lang="en-IN" dirty="0" smtClean="0">
+                <a:solidFill>
+                  <a:schemeClr val="tx1"/>
+                </a:solidFill>
+              </a:rPr>
+              <a:t>STUDENT</a:t>
+            </a:r>
+            <a:endParaRPr lang="en-IN" dirty="0">
+              <a:solidFill>
+                <a:schemeClr val="tx1"/>
+              </a:solidFill>
+            </a:endParaRPr>
+          </a:p>
+        </p:txBody>
+      </p:sp>
+      <p:sp>
+        <p:nvSpPr>
+          <p:cNvPr id="5" name="Rectangle 4"/>
+          <p:cNvSpPr/>
+          <p:nvPr/>
+        </p:nvSpPr>
+        <p:spPr>
+          <a:xfrm>
+            <a:off x="4419600" y="3203619"/>
+            <a:ext cx="1219200" cy="463639"/>
+          </a:xfrm>
+          <a:prstGeom prst="rect">
+            <a:avLst/>
+          </a:prstGeom>
+          <a:solidFill>
+            <a:schemeClr val="bg1"/>
+          </a:solidFill>
+        </p:spPr>
+        <p:style>
+          <a:lnRef idx="2">
+            <a:schemeClr val="accent1">
+              <a:shade val="50000"/>
+            </a:schemeClr>
+          </a:lnRef>
+          <a:fillRef idx="1">
+            <a:schemeClr val="accent1"/>
+          </a:fillRef>
+          <a:effectRef idx="0">
+            <a:schemeClr val="accent1"/>
+          </a:effectRef>
+          <a:fontRef idx="minor">
+            <a:schemeClr val="lt1"/>
+          </a:fontRef>
+        </p:style>
+        <p:txBody>
+          <a:bodyPr rtlCol="0" anchor="ctr"/>
+          <a:lstStyle/>
+          <a:p>
+            <a:pPr algn="ctr"/>
+            <a:r>
+              <a:rPr lang="en-IN" dirty="0" smtClean="0">
+                <a:solidFill>
+                  <a:schemeClr val="tx1"/>
+                </a:solidFill>
+              </a:rPr>
+              <a:t>FACULTY</a:t>
+            </a:r>
+            <a:endParaRPr lang="en-IN" dirty="0">
+              <a:solidFill>
+                <a:schemeClr val="tx1"/>
+              </a:solidFill>
+            </a:endParaRPr>
+          </a:p>
+        </p:txBody>
+      </p:sp>
+      <p:sp>
+        <p:nvSpPr>
+          <p:cNvPr id="6" name="Rectangle 5"/>
+          <p:cNvSpPr/>
+          <p:nvPr/>
+        </p:nvSpPr>
+        <p:spPr>
+          <a:xfrm>
+            <a:off x="3334019" y="5464935"/>
+            <a:ext cx="1323304" cy="463639"/>
+          </a:xfrm>
+          <a:prstGeom prst="rect">
+            <a:avLst/>
+          </a:prstGeom>
+          <a:solidFill>
+            <a:schemeClr val="bg1"/>
+          </a:solidFill>
+        </p:spPr>
+        <p:style>
+          <a:lnRef idx="2">
+            <a:schemeClr val="accent1">
+              <a:shade val="50000"/>
+            </a:schemeClr>
+          </a:lnRef>
+          <a:fillRef idx="1">
+            <a:schemeClr val="accent1"/>
+          </a:fillRef>
+          <a:effectRef idx="0">
+            <a:schemeClr val="accent1"/>
+          </a:effectRef>
+          <a:fontRef idx="minor">
+            <a:schemeClr val="lt1"/>
+          </a:fontRef>
+        </p:style>
+        <p:txBody>
+          <a:bodyPr rtlCol="0" anchor="ctr"/>
+          <a:lstStyle/>
+          <a:p>
+            <a:pPr algn="ctr"/>
+            <a:r>
+              <a:rPr lang="en-IN" dirty="0" smtClean="0">
+                <a:solidFill>
+                  <a:schemeClr val="tx1"/>
+                </a:solidFill>
+              </a:rPr>
+              <a:t>COURSES</a:t>
+            </a:r>
+            <a:endParaRPr lang="en-IN" dirty="0">
+              <a:solidFill>
+                <a:schemeClr val="tx1"/>
+              </a:solidFill>
+            </a:endParaRPr>
+          </a:p>
+        </p:txBody>
+      </p:sp>
+      <p:sp>
+        <p:nvSpPr>
+          <p:cNvPr id="11" name="Rectangle 10"/>
+          <p:cNvSpPr/>
+          <p:nvPr/>
+        </p:nvSpPr>
+        <p:spPr>
+          <a:xfrm>
+            <a:off x="3438123" y="1150992"/>
+            <a:ext cx="1219200" cy="463639"/>
+          </a:xfrm>
+          <a:prstGeom prst="rect">
+            <a:avLst/>
+          </a:prstGeom>
+          <a:solidFill>
+            <a:schemeClr val="bg1"/>
+          </a:solidFill>
+        </p:spPr>
+        <p:style>
+          <a:lnRef idx="2">
+            <a:schemeClr val="accent1">
+              <a:shade val="50000"/>
+            </a:schemeClr>
+          </a:lnRef>
+          <a:fillRef idx="1">
+            <a:schemeClr val="accent1"/>
+          </a:fillRef>
+          <a:effectRef idx="0">
+            <a:schemeClr val="accent1"/>
+          </a:effectRef>
+          <a:fontRef idx="minor">
+            <a:schemeClr val="lt1"/>
+          </a:fontRef>
+        </p:style>
+        <p:txBody>
+          <a:bodyPr rtlCol="0" anchor="ctr"/>
+          <a:lstStyle/>
+          <a:p>
+            <a:pPr algn="ctr"/>
+            <a:r>
+              <a:rPr lang="en-IN" dirty="0" smtClean="0">
+                <a:solidFill>
+                  <a:schemeClr val="tx1"/>
+                </a:solidFill>
+              </a:rPr>
+              <a:t>USER</a:t>
+            </a:r>
+            <a:endParaRPr lang="en-IN" dirty="0">
+              <a:solidFill>
+                <a:schemeClr val="tx1"/>
+              </a:solidFill>
+            </a:endParaRPr>
+          </a:p>
+        </p:txBody>
+      </p:sp>
+      <p:cxnSp>
+        <p:nvCxnSpPr>
+          <p:cNvPr id="13" name="Straight Connector 12"/>
+          <p:cNvCxnSpPr>
+            <a:stCxn id="11" idx="2"/>
+          </p:cNvCxnSpPr>
+          <p:nvPr/>
+        </p:nvCxnSpPr>
+        <p:spPr>
+          <a:xfrm>
+            <a:off x="4047723" y="1614631"/>
+            <a:ext cx="0" cy="442768"/>
+          </a:xfrm>
+          <a:prstGeom prst="line">
+            <a:avLst/>
+          </a:prstGeom>
+        </p:spPr>
+        <p:style>
+          <a:lnRef idx="1">
+            <a:schemeClr val="accent1"/>
+          </a:lnRef>
+          <a:fillRef idx="0">
+            <a:schemeClr val="accent1"/>
+          </a:fillRef>
+          <a:effectRef idx="0">
+            <a:schemeClr val="accent1"/>
+          </a:effectRef>
+          <a:fontRef idx="minor">
+            <a:schemeClr val="tx1"/>
+          </a:fontRef>
+        </p:style>
+      </p:cxnSp>
+      <p:sp>
+        <p:nvSpPr>
+          <p:cNvPr id="14" name="Isosceles Triangle 13"/>
+          <p:cNvSpPr/>
+          <p:nvPr/>
+        </p:nvSpPr>
+        <p:spPr>
+          <a:xfrm>
+            <a:off x="3423902" y="2063838"/>
+            <a:ext cx="1247641" cy="820492"/>
+          </a:xfrm>
+          <a:prstGeom prst="triangle">
+            <a:avLst/>
+          </a:prstGeom>
+          <a:solidFill>
+            <a:schemeClr val="bg1"/>
+          </a:solidFill>
+        </p:spPr>
+        <p:style>
+          <a:lnRef idx="2">
+            <a:schemeClr val="accent1">
+              <a:shade val="50000"/>
+            </a:schemeClr>
+          </a:lnRef>
+          <a:fillRef idx="1">
+            <a:schemeClr val="accent1"/>
+          </a:fillRef>
+          <a:effectRef idx="0">
+            <a:schemeClr val="accent1"/>
+          </a:effectRef>
+          <a:fontRef idx="minor">
+            <a:schemeClr val="lt1"/>
+          </a:fontRef>
+        </p:style>
+        <p:txBody>
+          <a:bodyPr rtlCol="0" anchor="ctr"/>
+          <a:lstStyle/>
+          <a:p>
+            <a:pPr algn="ctr"/>
+            <a:r>
+              <a:rPr lang="en-IN" dirty="0" smtClean="0">
+                <a:solidFill>
+                  <a:schemeClr val="tx1"/>
+                </a:solidFill>
+              </a:rPr>
+              <a:t>Is a</a:t>
+            </a:r>
+            <a:endParaRPr lang="en-IN" dirty="0">
+              <a:solidFill>
+                <a:schemeClr val="tx1"/>
+              </a:solidFill>
+            </a:endParaRPr>
+          </a:p>
+        </p:txBody>
+      </p:sp>
+      <p:sp>
+        <p:nvSpPr>
+          <p:cNvPr id="15" name="Flowchart: Decision 14"/>
+          <p:cNvSpPr/>
+          <p:nvPr/>
+        </p:nvSpPr>
+        <p:spPr>
+          <a:xfrm>
+            <a:off x="2374542" y="4171143"/>
+            <a:ext cx="1111876" cy="715851"/>
+          </a:xfrm>
+          <a:prstGeom prst="flowChartDecision">
+            <a:avLst/>
+          </a:prstGeom>
+          <a:solidFill>
+            <a:schemeClr val="bg1"/>
+          </a:solidFill>
+        </p:spPr>
+        <p:style>
+          <a:lnRef idx="2">
+            <a:schemeClr val="accent1">
+              <a:shade val="50000"/>
+            </a:schemeClr>
+          </a:lnRef>
+          <a:fillRef idx="1">
+            <a:schemeClr val="accent1"/>
+          </a:fillRef>
+          <a:effectRef idx="0">
+            <a:schemeClr val="accent1"/>
+          </a:effectRef>
+          <a:fontRef idx="minor">
+            <a:schemeClr val="lt1"/>
+          </a:fontRef>
+        </p:style>
+        <p:txBody>
+          <a:bodyPr rtlCol="0" anchor="ctr"/>
+          <a:lstStyle/>
+          <a:p>
+            <a:pPr algn="ctr"/>
+            <a:endParaRPr lang="en-IN">
+              <a:solidFill>
+                <a:schemeClr val="tx1"/>
+              </a:solidFill>
+            </a:endParaRPr>
+          </a:p>
+        </p:txBody>
+      </p:sp>
+      <p:sp>
+        <p:nvSpPr>
+          <p:cNvPr id="16" name="Flowchart: Decision 15"/>
+          <p:cNvSpPr/>
+          <p:nvPr/>
+        </p:nvSpPr>
+        <p:spPr>
+          <a:xfrm>
+            <a:off x="4473262" y="4116945"/>
+            <a:ext cx="1111876" cy="715851"/>
+          </a:xfrm>
+          <a:prstGeom prst="flowChartDecision">
+            <a:avLst/>
+          </a:prstGeom>
+          <a:solidFill>
+            <a:schemeClr val="bg1"/>
+          </a:solidFill>
+        </p:spPr>
+        <p:style>
+          <a:lnRef idx="2">
+            <a:schemeClr val="accent1">
+              <a:shade val="50000"/>
+            </a:schemeClr>
+          </a:lnRef>
+          <a:fillRef idx="1">
+            <a:schemeClr val="accent1"/>
+          </a:fillRef>
+          <a:effectRef idx="0">
+            <a:schemeClr val="accent1"/>
+          </a:effectRef>
+          <a:fontRef idx="minor">
+            <a:schemeClr val="lt1"/>
+          </a:fontRef>
+        </p:style>
+        <p:txBody>
+          <a:bodyPr rtlCol="0" anchor="ctr"/>
+          <a:lstStyle/>
+          <a:p>
+            <a:pPr algn="ctr"/>
+            <a:endParaRPr lang="en-IN">
+              <a:solidFill>
+                <a:schemeClr val="tx1"/>
+              </a:solidFill>
+            </a:endParaRPr>
+          </a:p>
+        </p:txBody>
+      </p:sp>
+      <p:cxnSp>
+        <p:nvCxnSpPr>
+          <p:cNvPr id="18" name="Straight Connector 17"/>
+          <p:cNvCxnSpPr>
+            <a:stCxn id="4" idx="2"/>
+            <a:endCxn id="15" idx="0"/>
+          </p:cNvCxnSpPr>
+          <p:nvPr/>
+        </p:nvCxnSpPr>
+        <p:spPr>
+          <a:xfrm>
+            <a:off x="2930480" y="3667258"/>
+            <a:ext cx="0" cy="503885"/>
+          </a:xfrm>
+          <a:prstGeom prst="line">
+            <a:avLst/>
+          </a:prstGeom>
+        </p:spPr>
+        <p:style>
+          <a:lnRef idx="1">
+            <a:schemeClr val="accent1"/>
+          </a:lnRef>
+          <a:fillRef idx="0">
+            <a:schemeClr val="accent1"/>
+          </a:fillRef>
+          <a:effectRef idx="0">
+            <a:schemeClr val="accent1"/>
+          </a:effectRef>
+          <a:fontRef idx="minor">
+            <a:schemeClr val="tx1"/>
+          </a:fontRef>
+        </p:style>
+      </p:cxnSp>
+      <p:cxnSp>
+        <p:nvCxnSpPr>
+          <p:cNvPr id="20" name="Straight Connector 19"/>
+          <p:cNvCxnSpPr>
+            <a:stCxn id="15" idx="2"/>
+          </p:cNvCxnSpPr>
+          <p:nvPr/>
+        </p:nvCxnSpPr>
+        <p:spPr>
+          <a:xfrm>
+            <a:off x="2930480" y="4886994"/>
+            <a:ext cx="0" cy="807075"/>
+          </a:xfrm>
+          <a:prstGeom prst="line">
+            <a:avLst/>
+          </a:prstGeom>
+        </p:spPr>
+        <p:style>
+          <a:lnRef idx="1">
+            <a:schemeClr val="accent1"/>
+          </a:lnRef>
+          <a:fillRef idx="0">
+            <a:schemeClr val="accent1"/>
+          </a:fillRef>
+          <a:effectRef idx="0">
+            <a:schemeClr val="accent1"/>
+          </a:effectRef>
+          <a:fontRef idx="minor">
+            <a:schemeClr val="tx1"/>
+          </a:fontRef>
+        </p:style>
+      </p:cxnSp>
+      <p:cxnSp>
+        <p:nvCxnSpPr>
+          <p:cNvPr id="22" name="Straight Connector 21"/>
+          <p:cNvCxnSpPr>
+            <a:endCxn id="6" idx="1"/>
+          </p:cNvCxnSpPr>
+          <p:nvPr/>
+        </p:nvCxnSpPr>
+        <p:spPr>
+          <a:xfrm>
+            <a:off x="2930480" y="5696754"/>
+            <a:ext cx="403539" cy="1"/>
+          </a:xfrm>
+          <a:prstGeom prst="line">
+            <a:avLst/>
+          </a:prstGeom>
+        </p:spPr>
+        <p:style>
+          <a:lnRef idx="1">
+            <a:schemeClr val="accent1"/>
+          </a:lnRef>
+          <a:fillRef idx="0">
+            <a:schemeClr val="accent1"/>
+          </a:fillRef>
+          <a:effectRef idx="0">
+            <a:schemeClr val="accent1"/>
+          </a:effectRef>
+          <a:fontRef idx="minor">
+            <a:schemeClr val="tx1"/>
+          </a:fontRef>
+        </p:style>
+      </p:cxnSp>
+      <p:cxnSp>
+        <p:nvCxnSpPr>
+          <p:cNvPr id="24" name="Straight Connector 23"/>
+          <p:cNvCxnSpPr>
+            <a:stCxn id="16" idx="2"/>
+          </p:cNvCxnSpPr>
+          <p:nvPr/>
+        </p:nvCxnSpPr>
+        <p:spPr>
+          <a:xfrm>
+            <a:off x="5029200" y="4832796"/>
+            <a:ext cx="0" cy="881131"/>
+          </a:xfrm>
+          <a:prstGeom prst="line">
+            <a:avLst/>
+          </a:prstGeom>
+        </p:spPr>
+        <p:style>
+          <a:lnRef idx="1">
+            <a:schemeClr val="accent1"/>
+          </a:lnRef>
+          <a:fillRef idx="0">
+            <a:schemeClr val="accent1"/>
+          </a:fillRef>
+          <a:effectRef idx="0">
+            <a:schemeClr val="accent1"/>
+          </a:effectRef>
+          <a:fontRef idx="minor">
+            <a:schemeClr val="tx1"/>
+          </a:fontRef>
+        </p:style>
+      </p:cxnSp>
+      <p:cxnSp>
+        <p:nvCxnSpPr>
+          <p:cNvPr id="26" name="Straight Connector 25"/>
+          <p:cNvCxnSpPr>
+            <a:stCxn id="6" idx="3"/>
+          </p:cNvCxnSpPr>
+          <p:nvPr/>
+        </p:nvCxnSpPr>
+        <p:spPr>
+          <a:xfrm flipV="1">
+            <a:off x="4657323" y="5694069"/>
+            <a:ext cx="371877" cy="2686"/>
+          </a:xfrm>
+          <a:prstGeom prst="line">
+            <a:avLst/>
+          </a:prstGeom>
+        </p:spPr>
+        <p:style>
+          <a:lnRef idx="1">
+            <a:schemeClr val="accent1"/>
+          </a:lnRef>
+          <a:fillRef idx="0">
+            <a:schemeClr val="accent1"/>
+          </a:fillRef>
+          <a:effectRef idx="0">
+            <a:schemeClr val="accent1"/>
+          </a:effectRef>
+          <a:fontRef idx="minor">
+            <a:schemeClr val="tx1"/>
+          </a:fontRef>
+        </p:style>
+      </p:cxnSp>
+      <p:cxnSp>
+        <p:nvCxnSpPr>
+          <p:cNvPr id="28" name="Straight Connector 27"/>
+          <p:cNvCxnSpPr>
+            <a:stCxn id="5" idx="2"/>
+            <a:endCxn id="16" idx="0"/>
+          </p:cNvCxnSpPr>
+          <p:nvPr/>
+        </p:nvCxnSpPr>
+        <p:spPr>
+          <a:xfrm>
+            <a:off x="5029200" y="3667258"/>
+            <a:ext cx="0" cy="449687"/>
+          </a:xfrm>
+          <a:prstGeom prst="line">
+            <a:avLst/>
+          </a:prstGeom>
+        </p:spPr>
+        <p:style>
+          <a:lnRef idx="1">
+            <a:schemeClr val="accent1"/>
+          </a:lnRef>
+          <a:fillRef idx="0">
+            <a:schemeClr val="accent1"/>
+          </a:fillRef>
+          <a:effectRef idx="0">
+            <a:schemeClr val="accent1"/>
+          </a:effectRef>
+          <a:fontRef idx="minor">
+            <a:schemeClr val="tx1"/>
+          </a:fontRef>
+        </p:style>
+      </p:cxnSp>
+      <p:cxnSp>
+        <p:nvCxnSpPr>
+          <p:cNvPr id="34" name="Straight Connector 33"/>
+          <p:cNvCxnSpPr>
+            <a:stCxn id="14" idx="4"/>
+            <a:endCxn id="5" idx="0"/>
+          </p:cNvCxnSpPr>
+          <p:nvPr/>
+        </p:nvCxnSpPr>
+        <p:spPr>
+          <a:xfrm>
+            <a:off x="4671543" y="2884330"/>
+            <a:ext cx="357657" cy="319289"/>
+          </a:xfrm>
+          <a:prstGeom prst="line">
+            <a:avLst/>
+          </a:prstGeom>
+        </p:spPr>
+        <p:style>
+          <a:lnRef idx="1">
+            <a:schemeClr val="accent1"/>
+          </a:lnRef>
+          <a:fillRef idx="0">
+            <a:schemeClr val="accent1"/>
+          </a:fillRef>
+          <a:effectRef idx="0">
+            <a:schemeClr val="accent1"/>
+          </a:effectRef>
+          <a:fontRef idx="minor">
+            <a:schemeClr val="tx1"/>
+          </a:fontRef>
+        </p:style>
+      </p:cxnSp>
+      <p:cxnSp>
+        <p:nvCxnSpPr>
+          <p:cNvPr id="43" name="Straight Connector 42"/>
+          <p:cNvCxnSpPr>
+            <a:stCxn id="14" idx="2"/>
+            <a:endCxn id="4" idx="0"/>
+          </p:cNvCxnSpPr>
+          <p:nvPr/>
+        </p:nvCxnSpPr>
+        <p:spPr>
+          <a:xfrm flipH="1">
+            <a:off x="2930480" y="2884330"/>
+            <a:ext cx="493422" cy="325728"/>
+          </a:xfrm>
+          <a:prstGeom prst="line">
+            <a:avLst/>
+          </a:prstGeom>
+        </p:spPr>
+        <p:style>
+          <a:lnRef idx="1">
+            <a:schemeClr val="accent1"/>
+          </a:lnRef>
+          <a:fillRef idx="0">
+            <a:schemeClr val="accent1"/>
+          </a:fillRef>
+          <a:effectRef idx="0">
+            <a:schemeClr val="accent1"/>
+          </a:effectRef>
+          <a:fontRef idx="minor">
+            <a:schemeClr val="tx1"/>
+          </a:fontRef>
+        </p:style>
+      </p:cxnSp>
+    </p:spTree>
+    <p:extLst>
+      <p:ext uri="{BB962C8B-B14F-4D97-AF65-F5344CB8AC3E}">
+        <p14:creationId xmlns:p14="http://schemas.microsoft.com/office/powerpoint/2010/main" val="1149105313"/>
+      </p:ext>
+    </p:extLst>
+  </p:cSld>
+  <p:clrMapOvr>
+    <a:masterClrMapping/>
+  </p:clrMapOvr>
+</p:sld>
+</file>
+
+<file path=ppt/slides/slide4.xml><?xml version="1.0" encoding="utf-8"?>
+<p:sld xmlns:a="http://schemas.openxmlformats.org/drawingml/2006/main" xmlns:r="http://schemas.openxmlformats.org/officeDocument/2006/relationships" xmlns:p="http://schemas.openxmlformats.org/presentationml/2006/main">
+  <p:cSld>
+    <p:spTree>
+      <p:nvGrpSpPr>
+        <p:cNvPr id="1" name=""/>
+        <p:cNvGrpSpPr/>
+        <p:nvPr/>
+      </p:nvGrpSpPr>
+      <p:grpSpPr>
+        <a:xfrm>
+          <a:off x="0" y="0"/>
+          <a:ext cx="0" cy="0"/>
+          <a:chOff x="0" y="0"/>
+          <a:chExt cx="0" cy="0"/>
+        </a:xfrm>
+      </p:grpSpPr>
+      <p:sp>
+        <p:nvSpPr>
+          <p:cNvPr id="2" name="TextBox 1"/>
+          <p:cNvSpPr txBox="1"/>
+          <p:nvPr/>
+        </p:nvSpPr>
+        <p:spPr>
+          <a:xfrm>
+            <a:off x="0" y="425209"/>
+            <a:ext cx="8153400" cy="584775"/>
+          </a:xfrm>
+          <a:prstGeom prst="rect">
+            <a:avLst/>
+          </a:prstGeom>
+          <a:noFill/>
+        </p:spPr>
+        <p:txBody>
+          <a:bodyPr wrap="square" rtlCol="0">
+            <a:spAutoFit/>
+          </a:bodyPr>
+          <a:lstStyle/>
+          <a:p>
+            <a:pPr algn="ctr"/>
+            <a:r>
+              <a:rPr lang="en-IN" sz="3200" dirty="0" smtClean="0"/>
+              <a:t>TABLES</a:t>
+            </a:r>
+            <a:endParaRPr lang="en-IN" sz="3200" dirty="0"/>
+          </a:p>
+        </p:txBody>
+      </p:sp>
+    </p:spTree>
+    <p:extLst>
+      <p:ext uri="{BB962C8B-B14F-4D97-AF65-F5344CB8AC3E}">
+        <p14:creationId xmlns:p14="http://schemas.microsoft.com/office/powerpoint/2010/main" val="184005043"/>
       </p:ext>
     </p:extLst>
   </p:cSld>
